--- a/第1章-空间数据简介-6学时/第1节-空间数据基本概念-2学时.pptx
+++ b/第1章-空间数据简介-6学时/第1节-空间数据基本概念-2学时.pptx
@@ -1662,30 +1662,6 @@
     </pc:docChg>
   </pc:docChgLst>
   <pc:docChgLst>
-    <pc:chgData name="Xin Luo" userId="82312ee5779919a4" providerId="LiveId" clId="{DA3CAFA3-5513-6141-A5FE-EEEF42866040}"/>
-    <pc:docChg chg="modSld">
-      <pc:chgData name="Xin Luo" userId="82312ee5779919a4" providerId="LiveId" clId="{DA3CAFA3-5513-6141-A5FE-EEEF42866040}" dt="2025-02-25T01:22:35.983" v="43" actId="1035"/>
-      <pc:docMkLst>
-        <pc:docMk/>
-      </pc:docMkLst>
-      <pc:sldChg chg="modSp mod">
-        <pc:chgData name="Xin Luo" userId="82312ee5779919a4" providerId="LiveId" clId="{DA3CAFA3-5513-6141-A5FE-EEEF42866040}" dt="2025-02-25T01:22:35.983" v="43" actId="1035"/>
-        <pc:sldMkLst>
-          <pc:docMk/>
-          <pc:sldMk cId="1602808061" sldId="2707"/>
-        </pc:sldMkLst>
-        <pc:spChg chg="mod">
-          <ac:chgData name="Xin Luo" userId="82312ee5779919a4" providerId="LiveId" clId="{DA3CAFA3-5513-6141-A5FE-EEEF42866040}" dt="2025-02-25T01:22:35.983" v="43" actId="1035"/>
-          <ac:spMkLst>
-            <pc:docMk/>
-            <pc:sldMk cId="1602808061" sldId="2707"/>
-            <ac:spMk id="2" creationId="{631AADB6-C88A-D817-4683-FC087E4E240F}"/>
-          </ac:spMkLst>
-        </pc:spChg>
-      </pc:sldChg>
-    </pc:docChg>
-  </pc:docChgLst>
-  <pc:docChgLst>
     <pc:chgData name="Xin Luo" userId="82312ee5779919a4" providerId="LiveId" clId="{4DB6C473-8E57-A543-81F7-48BE109E8C13}"/>
     <pc:docChg chg="undo custSel addSld delSld modSld sldOrd delMainMaster">
       <pc:chgData name="Xin Luo" userId="82312ee5779919a4" providerId="LiveId" clId="{4DB6C473-8E57-A543-81F7-48BE109E8C13}" dt="2023-02-21T15:10:04.498" v="5724" actId="108"/>
@@ -2031,6 +2007,30 @@
           </pc:sldLayoutMkLst>
         </pc:sldLayoutChg>
       </pc:sldMasterChg>
+    </pc:docChg>
+  </pc:docChgLst>
+  <pc:docChgLst>
+    <pc:chgData name="Xin Luo" userId="82312ee5779919a4" providerId="LiveId" clId="{DA3CAFA3-5513-6141-A5FE-EEEF42866040}"/>
+    <pc:docChg chg="modSld">
+      <pc:chgData name="Xin Luo" userId="82312ee5779919a4" providerId="LiveId" clId="{DA3CAFA3-5513-6141-A5FE-EEEF42866040}" dt="2025-02-25T01:22:35.983" v="43" actId="1035"/>
+      <pc:docMkLst>
+        <pc:docMk/>
+      </pc:docMkLst>
+      <pc:sldChg chg="modSp mod">
+        <pc:chgData name="Xin Luo" userId="82312ee5779919a4" providerId="LiveId" clId="{DA3CAFA3-5513-6141-A5FE-EEEF42866040}" dt="2025-02-25T01:22:35.983" v="43" actId="1035"/>
+        <pc:sldMkLst>
+          <pc:docMk/>
+          <pc:sldMk cId="1602808061" sldId="2707"/>
+        </pc:sldMkLst>
+        <pc:spChg chg="mod">
+          <ac:chgData name="Xin Luo" userId="82312ee5779919a4" providerId="LiveId" clId="{DA3CAFA3-5513-6141-A5FE-EEEF42866040}" dt="2025-02-25T01:22:35.983" v="43" actId="1035"/>
+          <ac:spMkLst>
+            <pc:docMk/>
+            <pc:sldMk cId="1602808061" sldId="2707"/>
+            <ac:spMk id="2" creationId="{631AADB6-C88A-D817-4683-FC087E4E240F}"/>
+          </ac:spMkLst>
+        </pc:spChg>
+      </pc:sldChg>
     </pc:docChg>
   </pc:docChgLst>
   <pc:docChgLst>
@@ -3065,7 +3065,7 @@
               </a14:hiddenFill>
             </a:ext>
             <a:ext uri="{FAA26D3D-D897-4be2-8F04-BA451C77F1D7}">
-              <ma14:placeholderFlag xmlns:ma14="http://schemas.microsoft.com/office/mac/drawingml/2011/main" xmlns="" val="1"/>
+              <ma14:placeholderFlag xmlns="" xmlns:ma14="http://schemas.microsoft.com/office/mac/drawingml/2011/main" val="1"/>
             </a:ext>
           </a:extLst>
         </p:spPr>
@@ -3449,7 +3449,7 @@
               </a14:hiddenLine>
             </a:ext>
             <a:ext uri="{FAA26D3D-D897-4be2-8F04-BA451C77F1D7}">
-              <ma14:placeholderFlag xmlns:ma14="http://schemas.microsoft.com/office/mac/drawingml/2011/main" xmlns="" val="1"/>
+              <ma14:placeholderFlag xmlns="" xmlns:ma14="http://schemas.microsoft.com/office/mac/drawingml/2011/main" val="1"/>
             </a:ext>
           </a:extLst>
         </p:spPr>
@@ -5532,7 +5532,7 @@
               </a14:hiddenLine>
             </a:ext>
             <a:ext uri="{FAA26D3D-D897-4be2-8F04-BA451C77F1D7}">
-              <ma14:placeholderFlag xmlns:ma14="http://schemas.microsoft.com/office/mac/drawingml/2011/main" xmlns="" val="1"/>
+              <ma14:placeholderFlag xmlns="" xmlns:ma14="http://schemas.microsoft.com/office/mac/drawingml/2011/main" val="1"/>
             </a:ext>
           </a:extLst>
         </p:spPr>
@@ -7396,7 +7396,7 @@
               </a14:hiddenLine>
             </a:ext>
             <a:ext uri="{FAA26D3D-D897-4be2-8F04-BA451C77F1D7}">
-              <ma14:placeholderFlag xmlns:ma14="http://schemas.microsoft.com/office/mac/drawingml/2011/main" xmlns="" val="1"/>
+              <ma14:placeholderFlag xmlns="" xmlns:ma14="http://schemas.microsoft.com/office/mac/drawingml/2011/main" val="1"/>
             </a:ext>
           </a:extLst>
         </p:spPr>
@@ -11087,7 +11087,7 @@
               </a14:hiddenLine>
             </a:ext>
             <a:ext uri="{FAA26D3D-D897-4be2-8F04-BA451C77F1D7}">
-              <ma14:placeholderFlag xmlns:ma14="http://schemas.microsoft.com/office/mac/drawingml/2011/main" xmlns="" val="1"/>
+              <ma14:placeholderFlag xmlns="" xmlns:ma14="http://schemas.microsoft.com/office/mac/drawingml/2011/main" val="1"/>
             </a:ext>
           </a:extLst>
         </p:spPr>
@@ -32915,7 +32915,9 @@
             <a:r>
               <a:rPr lang="en-US" altLang="zh-CN" sz="2000" b="1" kern="0" dirty="0" err="1">
                 <a:solidFill>
-                  <a:srgbClr val="000000"/>
+                  <a:schemeClr val="tx1">
+                    <a:lumMod val="65000"/>
+                  </a:schemeClr>
                 </a:solidFill>
                 <a:latin typeface="微软雅黑"/>
                 <a:ea typeface="微软雅黑"/>
@@ -32925,7 +32927,9 @@
             <a:r>
               <a:rPr lang="zh-CN" altLang="en-US" sz="2000" b="1" kern="0" dirty="0">
                 <a:solidFill>
-                  <a:srgbClr val="000000"/>
+                  <a:schemeClr val="tx1">
+                    <a:lumMod val="65000"/>
+                  </a:schemeClr>
                 </a:solidFill>
                 <a:latin typeface="微软雅黑"/>
                 <a:ea typeface="微软雅黑"/>
@@ -32934,7 +32938,9 @@
             </a:r>
             <a:endParaRPr lang="en-US" altLang="zh-CN" sz="2000" b="1" kern="0" dirty="0">
               <a:solidFill>
-                <a:srgbClr val="000000"/>
+                <a:schemeClr val="tx1">
+                  <a:lumMod val="65000"/>
+                </a:schemeClr>
               </a:solidFill>
               <a:latin typeface="微软雅黑"/>
               <a:ea typeface="微软雅黑"/>
@@ -32961,12 +32967,104 @@
             <a:r>
               <a:rPr lang="en-US" altLang="zh-CN" sz="2000" b="1" kern="0" dirty="0">
                 <a:solidFill>
+                  <a:schemeClr val="tx1">
+                    <a:lumMod val="65000"/>
+                  </a:schemeClr>
+                </a:solidFill>
+                <a:latin typeface="微软雅黑"/>
+                <a:ea typeface="微软雅黑"/>
+              </a:rPr>
+              <a:t>2. </a:t>
+            </a:r>
+            <a:r>
+              <a:rPr lang="zh-CN" altLang="en-US" sz="2000" b="1" kern="0" dirty="0">
+                <a:solidFill>
+                  <a:schemeClr val="tx1">
+                    <a:lumMod val="65000"/>
+                  </a:schemeClr>
+                </a:solidFill>
+                <a:latin typeface="微软雅黑"/>
+                <a:ea typeface="微软雅黑"/>
+              </a:rPr>
+              <a:t>数据获取</a:t>
+            </a:r>
+            <a:endParaRPr lang="en-US" altLang="zh-CN" sz="2000" b="1" kern="0" dirty="0">
+              <a:solidFill>
+                <a:schemeClr val="tx1">
+                  <a:lumMod val="65000"/>
+                </a:schemeClr>
+              </a:solidFill>
+              <a:latin typeface="微软雅黑"/>
+              <a:ea typeface="微软雅黑"/>
+            </a:endParaRPr>
+          </a:p>
+          <a:p>
+            <a:pPr marL="285750" indent="-285750" algn="just">
+              <a:lnSpc>
+                <a:spcPct val="150000"/>
+              </a:lnSpc>
+              <a:spcBef>
+                <a:spcPts val="1200"/>
+              </a:spcBef>
+              <a:buFontTx/>
+              <a:buChar char="-"/>
+              <a:defRPr/>
+            </a:pPr>
+            <a:r>
+              <a:rPr lang="en-US" altLang="zh-CN" sz="2000" b="1" kern="0" dirty="0">
+                <a:solidFill>
+                  <a:schemeClr val="tx1">
+                    <a:lumMod val="65000"/>
+                  </a:schemeClr>
+                </a:solidFill>
+                <a:latin typeface="微软雅黑"/>
+                <a:ea typeface="微软雅黑"/>
+              </a:rPr>
+              <a:t>3. </a:t>
+            </a:r>
+            <a:r>
+              <a:rPr lang="zh-CN" altLang="en-US" sz="2000" b="1" kern="0" dirty="0">
+                <a:solidFill>
+                  <a:schemeClr val="tx1">
+                    <a:lumMod val="65000"/>
+                  </a:schemeClr>
+                </a:solidFill>
+                <a:latin typeface="微软雅黑"/>
+                <a:ea typeface="微软雅黑"/>
+              </a:rPr>
+              <a:t>数据读入</a:t>
+            </a:r>
+            <a:endParaRPr lang="en-US" altLang="zh-CN" sz="2000" b="1" kern="0" dirty="0">
+              <a:solidFill>
+                <a:schemeClr val="tx1">
+                  <a:lumMod val="65000"/>
+                </a:schemeClr>
+              </a:solidFill>
+              <a:latin typeface="微软雅黑"/>
+              <a:ea typeface="微软雅黑"/>
+            </a:endParaRPr>
+          </a:p>
+          <a:p>
+            <a:pPr marL="285750" indent="-285750" algn="just">
+              <a:lnSpc>
+                <a:spcPct val="150000"/>
+              </a:lnSpc>
+              <a:spcBef>
+                <a:spcPts val="1200"/>
+              </a:spcBef>
+              <a:buFontTx/>
+              <a:buChar char="-"/>
+              <a:defRPr/>
+            </a:pPr>
+            <a:r>
+              <a:rPr lang="en-US" sz="2000" b="1" kern="0" dirty="0">
+                <a:solidFill>
                   <a:srgbClr val="000000"/>
                 </a:solidFill>
                 <a:latin typeface="微软雅黑"/>
                 <a:ea typeface="微软雅黑"/>
               </a:rPr>
-              <a:t>2. </a:t>
+              <a:t>4.</a:t>
             </a:r>
             <a:r>
               <a:rPr lang="zh-CN" altLang="en-US" sz="2000" b="1" kern="0" dirty="0">
@@ -32976,7 +33074,7 @@
                 <a:latin typeface="微软雅黑"/>
                 <a:ea typeface="微软雅黑"/>
               </a:rPr>
-              <a:t>数据获取</a:t>
+              <a:t> 矢量编辑</a:t>
             </a:r>
             <a:endParaRPr lang="en-US" altLang="zh-CN" sz="2000" b="1" kern="0" dirty="0">
               <a:solidFill>
@@ -32999,14 +33097,28 @@
               <a:defRPr/>
             </a:pPr>
             <a:r>
-              <a:rPr lang="en-US" altLang="zh-CN" sz="2000" b="1" kern="0" dirty="0">
+              <a:rPr lang="en-US" sz="2000" b="1" kern="0" dirty="0">
                 <a:solidFill>
-                  <a:srgbClr val="000000"/>
+                  <a:schemeClr val="tx1">
+                    <a:lumMod val="65000"/>
+                  </a:schemeClr>
                 </a:solidFill>
                 <a:latin typeface="微软雅黑"/>
                 <a:ea typeface="微软雅黑"/>
               </a:rPr>
-              <a:t>3. </a:t>
+              <a:t>5.</a:t>
+            </a:r>
+            <a:r>
+              <a:rPr lang="zh-CN" altLang="en-US" sz="2000" b="1" kern="0" dirty="0">
+                <a:solidFill>
+                  <a:schemeClr val="tx1">
+                    <a:lumMod val="65000"/>
+                  </a:schemeClr>
+                </a:solidFill>
+                <a:latin typeface="微软雅黑"/>
+                <a:ea typeface="微软雅黑"/>
+              </a:rPr>
+              <a:t> 栅格裁剪，拼接、</a:t>
             </a:r>
             <a:r>
               <a:rPr lang="zh-CN" altLang="en-US" sz="2000" b="1" kern="0" dirty="0">
@@ -33016,87 +33128,7 @@
                 <a:latin typeface="微软雅黑"/>
                 <a:ea typeface="微软雅黑"/>
               </a:rPr>
-              <a:t>数据读入</a:t>
-            </a:r>
-            <a:endParaRPr lang="en-US" altLang="zh-CN" sz="2000" b="1" kern="0" dirty="0">
-              <a:solidFill>
-                <a:srgbClr val="000000"/>
-              </a:solidFill>
-              <a:latin typeface="微软雅黑"/>
-              <a:ea typeface="微软雅黑"/>
-            </a:endParaRPr>
-          </a:p>
-          <a:p>
-            <a:pPr marL="285750" indent="-285750" algn="just">
-              <a:lnSpc>
-                <a:spcPct val="150000"/>
-              </a:lnSpc>
-              <a:spcBef>
-                <a:spcPts val="1200"/>
-              </a:spcBef>
-              <a:buFontTx/>
-              <a:buChar char="-"/>
-              <a:defRPr/>
-            </a:pPr>
-            <a:r>
-              <a:rPr lang="en-US" sz="2000" b="1" kern="0" dirty="0">
-                <a:solidFill>
-                  <a:srgbClr val="000000"/>
-                </a:solidFill>
-                <a:latin typeface="微软雅黑"/>
-                <a:ea typeface="微软雅黑"/>
-              </a:rPr>
-              <a:t>4.</a:t>
-            </a:r>
-            <a:r>
-              <a:rPr lang="zh-CN" altLang="en-US" sz="2000" b="1" kern="0" dirty="0">
-                <a:solidFill>
-                  <a:srgbClr val="000000"/>
-                </a:solidFill>
-                <a:latin typeface="微软雅黑"/>
-                <a:ea typeface="微软雅黑"/>
-              </a:rPr>
-              <a:t> 矢量编辑</a:t>
-            </a:r>
-            <a:endParaRPr lang="en-US" altLang="zh-CN" sz="2000" b="1" kern="0" dirty="0">
-              <a:solidFill>
-                <a:srgbClr val="000000"/>
-              </a:solidFill>
-              <a:latin typeface="微软雅黑"/>
-              <a:ea typeface="微软雅黑"/>
-            </a:endParaRPr>
-          </a:p>
-          <a:p>
-            <a:pPr marL="285750" indent="-285750" algn="just">
-              <a:lnSpc>
-                <a:spcPct val="150000"/>
-              </a:lnSpc>
-              <a:spcBef>
-                <a:spcPts val="1200"/>
-              </a:spcBef>
-              <a:buFontTx/>
-              <a:buChar char="-"/>
-              <a:defRPr/>
-            </a:pPr>
-            <a:r>
-              <a:rPr lang="en-US" sz="2000" b="1" kern="0" dirty="0">
-                <a:solidFill>
-                  <a:srgbClr val="000000"/>
-                </a:solidFill>
-                <a:latin typeface="微软雅黑"/>
-                <a:ea typeface="微软雅黑"/>
-              </a:rPr>
-              <a:t>5.</a:t>
-            </a:r>
-            <a:r>
-              <a:rPr lang="zh-CN" altLang="en-US" sz="2000" b="1" kern="0" dirty="0">
-                <a:solidFill>
-                  <a:srgbClr val="000000"/>
-                </a:solidFill>
-                <a:latin typeface="微软雅黑"/>
-                <a:ea typeface="微软雅黑"/>
-              </a:rPr>
-              <a:t> 栅格裁剪，拼接、大气校正</a:t>
+              <a:t>大气校正</a:t>
             </a:r>
             <a:endParaRPr lang="en-US" altLang="zh-CN" sz="2000" b="1" kern="0" dirty="0">
               <a:solidFill>
@@ -33338,7 +33370,7 @@
         <p:spPr>
           <a:xfrm>
             <a:off x="4861655" y="1524946"/>
-            <a:ext cx="4106280" cy="4962384"/>
+            <a:ext cx="4106280" cy="4346831"/>
           </a:xfrm>
           <a:prstGeom prst="rect">
             <a:avLst/>
@@ -33425,7 +33457,9 @@
             <a:r>
               <a:rPr lang="en-US" altLang="zh-CN" sz="2000" b="1" kern="0" dirty="0">
                 <a:solidFill>
-                  <a:srgbClr val="000000"/>
+                  <a:schemeClr val="tx1">
+                    <a:lumMod val="65000"/>
+                  </a:schemeClr>
                 </a:solidFill>
                 <a:latin typeface="微软雅黑"/>
                 <a:ea typeface="微软雅黑"/>
@@ -33435,7 +33469,9 @@
             <a:r>
               <a:rPr lang="zh-CN" altLang="en-US" sz="2000" b="1" kern="0" dirty="0">
                 <a:solidFill>
-                  <a:srgbClr val="000000"/>
+                  <a:schemeClr val="tx1">
+                    <a:lumMod val="65000"/>
+                  </a:schemeClr>
                 </a:solidFill>
                 <a:latin typeface="微软雅黑"/>
                 <a:ea typeface="微软雅黑"/>
@@ -33467,52 +33503,6 @@
             <a:r>
               <a:rPr lang="en-US" altLang="zh-CN" sz="2000" b="1" kern="0" dirty="0">
                 <a:solidFill>
-                  <a:schemeClr val="tx1">
-                    <a:lumMod val="65000"/>
-                  </a:schemeClr>
-                </a:solidFill>
-                <a:latin typeface="微软雅黑"/>
-                <a:ea typeface="微软雅黑"/>
-              </a:rPr>
-              <a:t>10.</a:t>
-            </a:r>
-            <a:r>
-              <a:rPr lang="zh-CN" altLang="en-US" sz="2000" b="1" kern="0" dirty="0">
-                <a:solidFill>
-                  <a:schemeClr val="tx1">
-                    <a:lumMod val="65000"/>
-                  </a:schemeClr>
-                </a:solidFill>
-                <a:latin typeface="微软雅黑"/>
-                <a:ea typeface="微软雅黑"/>
-              </a:rPr>
-              <a:t> 栅格插值</a:t>
-            </a:r>
-            <a:endParaRPr lang="en-US" altLang="zh-CN" sz="2000" b="1" kern="0" dirty="0">
-              <a:solidFill>
-                <a:schemeClr val="tx1">
-                  <a:lumMod val="65000"/>
-                </a:schemeClr>
-              </a:solidFill>
-              <a:latin typeface="微软雅黑"/>
-              <a:ea typeface="微软雅黑"/>
-            </a:endParaRPr>
-          </a:p>
-          <a:p>
-            <a:pPr marL="342900" indent="-342900" algn="just">
-              <a:lnSpc>
-                <a:spcPct val="150000"/>
-              </a:lnSpc>
-              <a:spcBef>
-                <a:spcPts val="1200"/>
-              </a:spcBef>
-              <a:buFontTx/>
-              <a:buChar char="-"/>
-              <a:defRPr/>
-            </a:pPr>
-            <a:r>
-              <a:rPr lang="en-US" altLang="zh-CN" sz="2000" b="1" kern="0" dirty="0">
-                <a:solidFill>
                   <a:srgbClr val="000000"/>
                 </a:solidFill>
                 <a:latin typeface="微软雅黑"/>
@@ -33553,7 +33543,9 @@
             <a:r>
               <a:rPr lang="en-US" altLang="zh-CN" sz="2000" b="1" kern="0" dirty="0">
                 <a:solidFill>
-                  <a:srgbClr val="000000"/>
+                  <a:schemeClr val="tx1">
+                    <a:lumMod val="65000"/>
+                  </a:schemeClr>
                 </a:solidFill>
                 <a:latin typeface="微软雅黑"/>
                 <a:ea typeface="微软雅黑"/>
@@ -33563,7 +33555,9 @@
             <a:r>
               <a:rPr lang="zh-CN" altLang="en-US" sz="2000" b="1" kern="0" dirty="0">
                 <a:solidFill>
-                  <a:srgbClr val="000000"/>
+                  <a:schemeClr val="tx1">
+                    <a:lumMod val="65000"/>
+                  </a:schemeClr>
                 </a:solidFill>
                 <a:latin typeface="微软雅黑"/>
                 <a:ea typeface="微软雅黑"/>
@@ -33572,7 +33566,9 @@
             </a:r>
             <a:endParaRPr lang="en-US" altLang="zh-CN" sz="2000" b="1" kern="0" dirty="0">
               <a:solidFill>
-                <a:srgbClr val="000000"/>
+                <a:schemeClr val="tx1">
+                  <a:lumMod val="65000"/>
+                </a:schemeClr>
               </a:solidFill>
               <a:latin typeface="微软雅黑"/>
               <a:ea typeface="微软雅黑"/>
@@ -33591,7 +33587,9 @@
             <a:r>
               <a:rPr lang="en-US" altLang="zh-CN" sz="2000" b="1" kern="0" dirty="0">
                 <a:solidFill>
-                  <a:srgbClr val="000000"/>
+                  <a:schemeClr val="tx1">
+                    <a:lumMod val="65000"/>
+                  </a:schemeClr>
                 </a:solidFill>
                 <a:latin typeface="微软雅黑"/>
                 <a:ea typeface="微软雅黑"/>
@@ -33601,7 +33599,9 @@
             <a:r>
               <a:rPr lang="zh-CN" altLang="en-US" sz="2000" b="1" kern="0" dirty="0">
                 <a:solidFill>
-                  <a:srgbClr val="000000"/>
+                  <a:schemeClr val="tx1">
+                    <a:lumMod val="65000"/>
+                  </a:schemeClr>
                 </a:solidFill>
                 <a:latin typeface="微软雅黑"/>
                 <a:ea typeface="微软雅黑"/>
@@ -33611,7 +33611,9 @@
             <a:r>
               <a:rPr lang="en-US" altLang="zh-CN" sz="2000" b="1" kern="0" dirty="0">
                 <a:solidFill>
-                  <a:srgbClr val="000000"/>
+                  <a:schemeClr val="tx1">
+                    <a:lumMod val="65000"/>
+                  </a:schemeClr>
                 </a:solidFill>
                 <a:latin typeface="微软雅黑"/>
                 <a:ea typeface="微软雅黑"/>
@@ -33621,7 +33623,9 @@
             <a:r>
               <a:rPr lang="zh-CN" altLang="en-US" sz="2000" b="1" kern="0" dirty="0">
                 <a:solidFill>
-                  <a:srgbClr val="000000"/>
+                  <a:schemeClr val="tx1">
+                    <a:lumMod val="65000"/>
+                  </a:schemeClr>
                 </a:solidFill>
                 <a:latin typeface="微软雅黑"/>
                 <a:ea typeface="微软雅黑"/>
@@ -33631,7 +33635,9 @@
             <a:r>
               <a:rPr lang="en-US" altLang="zh-CN" sz="2000" b="1" kern="0" dirty="0">
                 <a:solidFill>
-                  <a:srgbClr val="000000"/>
+                  <a:schemeClr val="tx1">
+                    <a:lumMod val="65000"/>
+                  </a:schemeClr>
                 </a:solidFill>
                 <a:latin typeface="微软雅黑"/>
                 <a:ea typeface="微软雅黑"/>
